--- a/Block 04/slides/GEO8026_2023_24_Lecture4.pptx
+++ b/Block 04/slides/GEO8026_2023_24_Lecture4.pptx
@@ -274,7 +274,7 @@
           <a:p>
             <a:fld id="{1D8BD707-D9CF-40AE-B4C6-C98DA3205C09}" type="datetimeFigureOut">
               <a:rPr lang="en-US"/>
-              <a:t>9/11/2023</a:t>
+              <a:t>10/3/2023</a:t>
             </a:fld>
             <a:endParaRPr lang="en-US"/>
           </a:p>
@@ -449,7 +449,7 @@
           <a:p>
             <a:fld id="{1D8BD707-D9CF-40AE-B4C6-C98DA3205C09}" type="datetimeFigureOut">
               <a:rPr lang="en-US"/>
-              <a:t>9/11/2023</a:t>
+              <a:t>10/3/2023</a:t>
             </a:fld>
             <a:endParaRPr lang="en-US"/>
           </a:p>
@@ -669,7 +669,7 @@
           <a:p>
             <a:fld id="{1D8BD707-D9CF-40AE-B4C6-C98DA3205C09}" type="datetimeFigureOut">
               <a:rPr lang="en-US"/>
-              <a:t>9/11/2023</a:t>
+              <a:t>10/3/2023</a:t>
             </a:fld>
             <a:endParaRPr lang="en-US"/>
           </a:p>
@@ -817,7 +817,7 @@
           <a:p>
             <a:fld id="{1D8BD707-D9CF-40AE-B4C6-C98DA3205C09}" type="datetimeFigureOut">
               <a:rPr lang="en-US"/>
-              <a:t>9/11/2023</a:t>
+              <a:t>10/3/2023</a:t>
             </a:fld>
             <a:endParaRPr lang="en-US"/>
           </a:p>
@@ -936,7 +936,7 @@
           <a:p>
             <a:fld id="{1D8BD707-D9CF-40AE-B4C6-C98DA3205C09}" type="datetimeFigureOut">
               <a:rPr lang="en-US"/>
-              <a:t>9/11/2023</a:t>
+              <a:t>10/3/2023</a:t>
             </a:fld>
             <a:endParaRPr lang="en-US"/>
           </a:p>
@@ -1264,7 +1264,7 @@
           <a:p>
             <a:fld id="{1D8BD707-D9CF-40AE-B4C6-C98DA3205C09}" type="datetimeFigureOut">
               <a:rPr lang="en-US"/>
-              <a:t>9/11/2023</a:t>
+              <a:t>10/3/2023</a:t>
             </a:fld>
             <a:endParaRPr lang="en-US"/>
           </a:p>
@@ -3424,7 +3424,7 @@
               </a:rPr>
               <a:t>homoscedastic?</a:t>
             </a:r>
-            <a:endParaRPr sz="1800">
+            <a:endParaRPr sz="1800" dirty="0">
               <a:latin typeface="Arial Rounded MT Bold"/>
               <a:cs typeface="Arial Rounded MT Bold"/>
             </a:endParaRPr>
@@ -3435,7 +3435,7 @@
                 <a:spcPct val="100000"/>
               </a:lnSpc>
             </a:pPr>
-            <a:endParaRPr sz="2100">
+            <a:endParaRPr sz="2100" dirty="0">
               <a:latin typeface="Arial Rounded MT Bold"/>
               <a:cs typeface="Arial Rounded MT Bold"/>
             </a:endParaRPr>
@@ -3477,7 +3477,7 @@
               </a:rPr>
               <a:t>required?</a:t>
             </a:r>
-            <a:endParaRPr sz="1800">
+            <a:endParaRPr sz="1800" dirty="0">
               <a:latin typeface="Arial Rounded MT Bold"/>
               <a:cs typeface="Arial Rounded MT Bold"/>
             </a:endParaRPr>
@@ -3491,7 +3491,7 @@
                 <a:spcPts val="15"/>
               </a:spcBef>
             </a:pPr>
-            <a:endParaRPr sz="1850">
+            <a:endParaRPr sz="1850" dirty="0">
               <a:latin typeface="Arial Rounded MT Bold"/>
               <a:cs typeface="Arial Rounded MT Bold"/>
             </a:endParaRPr>
@@ -3562,7 +3562,7 @@
               </a:rPr>
               <a:t> variable:</a:t>
             </a:r>
-            <a:endParaRPr sz="1800">
+            <a:endParaRPr sz="1800" dirty="0">
               <a:latin typeface="Arial Rounded MT Bold"/>
               <a:cs typeface="Arial Rounded MT Bold"/>
             </a:endParaRPr>
@@ -3621,7 +3621,7 @@
               </a:rPr>
               <a:t> variable</a:t>
             </a:r>
-            <a:endParaRPr sz="1800">
+            <a:endParaRPr sz="1800" dirty="0">
               <a:latin typeface="Arial Rounded MT Bold"/>
               <a:cs typeface="Arial Rounded MT Bold"/>
             </a:endParaRPr>
@@ -3680,10 +3680,6 @@
               </a:rPr>
               <a:t>X)</a:t>
             </a:r>
-            <a:endParaRPr sz="1800">
-              <a:latin typeface="Arial Rounded MT Bold"/>
-              <a:cs typeface="Arial Rounded MT Bold"/>
-            </a:endParaRPr>
           </a:p>
           <a:p>
             <a:pPr marL="299085" indent="-287020">
@@ -3718,7 +3714,7 @@
               </a:rPr>
               <a:t>transform</a:t>
             </a:r>
-            <a:endParaRPr sz="1800">
+            <a:endParaRPr sz="1800" dirty="0">
               <a:latin typeface="Arial Rounded MT Bold"/>
               <a:cs typeface="Arial Rounded MT Bold"/>
             </a:endParaRPr>
@@ -3734,7 +3730,7 @@
               <a:buFont typeface="Arial"/>
               <a:buChar char="•"/>
             </a:pPr>
-            <a:endParaRPr sz="1850">
+            <a:endParaRPr sz="1850" dirty="0">
               <a:latin typeface="Arial Rounded MT Bold"/>
               <a:cs typeface="Arial Rounded MT Bold"/>
             </a:endParaRPr>
@@ -3775,7 +3771,7 @@
               </a:rPr>
               <a:t>variable:</a:t>
             </a:r>
-            <a:endParaRPr sz="1800">
+            <a:endParaRPr sz="1800" dirty="0">
               <a:latin typeface="Arial Rounded MT Bold"/>
               <a:cs typeface="Arial Rounded MT Bold"/>
             </a:endParaRPr>
@@ -3813,7 +3809,7 @@
               </a:rPr>
               <a:t>transform</a:t>
             </a:r>
-            <a:endParaRPr sz="1800">
+            <a:endParaRPr sz="1800" dirty="0">
               <a:latin typeface="Arial Rounded MT Bold"/>
               <a:cs typeface="Arial Rounded MT Bold"/>
             </a:endParaRPr>
@@ -11846,6 +11842,36 @@
           </a:p>
         </p:txBody>
       </p:sp>
+      <p:pic>
+        <p:nvPicPr>
+          <p:cNvPr id="6" name="Picture 5">
+            <a:extLst>
+              <a:ext uri="{FF2B5EF4-FFF2-40B4-BE49-F238E27FC236}">
+                <a16:creationId xmlns:a16="http://schemas.microsoft.com/office/drawing/2014/main" id="{6F3341A5-D606-43CA-D06E-8A609D769259}"/>
+              </a:ext>
+            </a:extLst>
+          </p:cNvPr>
+          <p:cNvPicPr>
+            <a:picLocks noChangeAspect="1"/>
+          </p:cNvPicPr>
+          <p:nvPr/>
+        </p:nvPicPr>
+        <p:blipFill>
+          <a:blip r:embed="rId4"/>
+          <a:stretch>
+            <a:fillRect/>
+          </a:stretch>
+        </p:blipFill>
+        <p:spPr>
+          <a:xfrm>
+            <a:off x="8601456" y="4495800"/>
+            <a:ext cx="3276600" cy="2184400"/>
+          </a:xfrm>
+          <a:prstGeom prst="rect">
+            <a:avLst/>
+          </a:prstGeom>
+        </p:spPr>
+      </p:pic>
     </p:spTree>
   </p:cSld>
   <p:clrMapOvr>

--- a/Block 04/slides/GEO8026_2023_24_Lecture4.pptx
+++ b/Block 04/slides/GEO8026_2023_24_Lecture4.pptx
@@ -274,7 +274,7 @@
           <a:p>
             <a:fld id="{1D8BD707-D9CF-40AE-B4C6-C98DA3205C09}" type="datetimeFigureOut">
               <a:rPr lang="en-US"/>
-              <a:t>10/3/2023</a:t>
+              <a:t>9/19/2024</a:t>
             </a:fld>
             <a:endParaRPr lang="en-US"/>
           </a:p>
@@ -449,7 +449,7 @@
           <a:p>
             <a:fld id="{1D8BD707-D9CF-40AE-B4C6-C98DA3205C09}" type="datetimeFigureOut">
               <a:rPr lang="en-US"/>
-              <a:t>10/3/2023</a:t>
+              <a:t>9/19/2024</a:t>
             </a:fld>
             <a:endParaRPr lang="en-US"/>
           </a:p>
@@ -669,7 +669,7 @@
           <a:p>
             <a:fld id="{1D8BD707-D9CF-40AE-B4C6-C98DA3205C09}" type="datetimeFigureOut">
               <a:rPr lang="en-US"/>
-              <a:t>10/3/2023</a:t>
+              <a:t>9/19/2024</a:t>
             </a:fld>
             <a:endParaRPr lang="en-US"/>
           </a:p>
@@ -817,7 +817,7 @@
           <a:p>
             <a:fld id="{1D8BD707-D9CF-40AE-B4C6-C98DA3205C09}" type="datetimeFigureOut">
               <a:rPr lang="en-US"/>
-              <a:t>10/3/2023</a:t>
+              <a:t>9/19/2024</a:t>
             </a:fld>
             <a:endParaRPr lang="en-US"/>
           </a:p>
@@ -936,7 +936,7 @@
           <a:p>
             <a:fld id="{1D8BD707-D9CF-40AE-B4C6-C98DA3205C09}" type="datetimeFigureOut">
               <a:rPr lang="en-US"/>
-              <a:t>10/3/2023</a:t>
+              <a:t>9/19/2024</a:t>
             </a:fld>
             <a:endParaRPr lang="en-US"/>
           </a:p>
@@ -1264,7 +1264,7 @@
           <a:p>
             <a:fld id="{1D8BD707-D9CF-40AE-B4C6-C98DA3205C09}" type="datetimeFigureOut">
               <a:rPr lang="en-US"/>
-              <a:t>10/3/2023</a:t>
+              <a:t>9/19/2024</a:t>
             </a:fld>
             <a:endParaRPr lang="en-US"/>
           </a:p>
@@ -1620,7 +1620,7 @@
         <p:spPr>
           <a:xfrm>
             <a:off x="4953000" y="3586505"/>
-            <a:ext cx="2286000" cy="1213153"/>
+            <a:ext cx="2286000" cy="843821"/>
           </a:xfrm>
           <a:prstGeom prst="rect">
             <a:avLst/>
@@ -1665,37 +1665,6 @@
               </a:spcBef>
             </a:pPr>
             <a:endParaRPr sz="3000" dirty="0">
-              <a:latin typeface="Arial Rounded MT Bold"/>
-              <a:cs typeface="Arial Rounded MT Bold"/>
-            </a:endParaRPr>
-          </a:p>
-          <a:p>
-            <a:pPr algn="ctr">
-              <a:lnSpc>
-                <a:spcPct val="100000"/>
-              </a:lnSpc>
-            </a:pPr>
-            <a:r>
-              <a:rPr sz="2400" spc="-105" dirty="0">
-                <a:solidFill>
-                  <a:srgbClr val="1F487C"/>
-                </a:solidFill>
-                <a:latin typeface="Arial Rounded MT Bold"/>
-                <a:cs typeface="Arial Rounded MT Bold"/>
-              </a:rPr>
-              <a:t>Dr. </a:t>
-            </a:r>
-            <a:r>
-              <a:rPr lang="en-GB" sz="2400" spc="-15" dirty="0">
-                <a:solidFill>
-                  <a:srgbClr val="1F487C"/>
-                </a:solidFill>
-                <a:latin typeface="Arial Rounded MT Bold"/>
-                <a:cs typeface="Arial Rounded MT Bold"/>
-              </a:rPr>
-              <a:t>Seb Pitman</a:t>
-            </a:r>
-            <a:endParaRPr sz="2400" dirty="0">
               <a:latin typeface="Arial Rounded MT Bold"/>
               <a:cs typeface="Arial Rounded MT Bold"/>
             </a:endParaRPr>
